--- a/Занятие_01/Иллюстрации1.pptx
+++ b/Занятие_01/Иллюстрации1.pptx
@@ -3088,8 +3088,8 @@
     <dgm:cxn modelId="{9D568B95-E9FF-4D5B-8F1C-9312EF272FF5}" srcId="{2A5BA26C-5161-42DF-B6D3-3D80F7136A94}" destId="{5D00DC91-EABE-480D-AE21-A37535654084}" srcOrd="2" destOrd="0" parTransId="{8F63A51B-23FC-4D2A-A802-2229804759C7}" sibTransId="{1E7E3388-E5CF-46A0-85BA-5533E46D356C}"/>
     <dgm:cxn modelId="{8E89A65E-336E-4BA7-BE08-CFF30E27C94A}" type="presOf" srcId="{5D00DC91-EABE-480D-AE21-A37535654084}" destId="{85293336-CD30-4D81-8D02-F52A386FA155}" srcOrd="0" destOrd="0" presId="urn:microsoft.com/office/officeart/2005/8/layout/chevron2"/>
     <dgm:cxn modelId="{ECC79F71-2B06-4E3D-BA30-62192EA144CE}" srcId="{DC913F57-42B8-46A8-A08C-5E7BAA4456A0}" destId="{A947E420-5366-4A66-9E7B-E5D89B4ED3FA}" srcOrd="1" destOrd="0" parTransId="{852819E8-E063-4A25-B2B9-85998ACC5865}" sibTransId="{DA7E24DF-5696-4684-AB37-48D74870E844}"/>
+    <dgm:cxn modelId="{D40FF7E7-36A3-46C6-85B3-9FF5C2DB48C3}" type="presOf" srcId="{DC913F57-42B8-46A8-A08C-5E7BAA4456A0}" destId="{A9E23A6F-129C-4FA9-AC9B-00BBBD8E57A0}" srcOrd="0" destOrd="0" presId="urn:microsoft.com/office/officeart/2005/8/layout/chevron2"/>
     <dgm:cxn modelId="{A4692FF8-D763-4D64-BF24-4FCE7101A2F7}" type="presOf" srcId="{1D437864-B470-4B40-AE9E-DD1D89E4FCAE}" destId="{C97495CF-EDD3-4DE8-B006-EF22F7D77756}" srcOrd="0" destOrd="0" presId="urn:microsoft.com/office/officeart/2005/8/layout/chevron2"/>
-    <dgm:cxn modelId="{D40FF7E7-36A3-46C6-85B3-9FF5C2DB48C3}" type="presOf" srcId="{DC913F57-42B8-46A8-A08C-5E7BAA4456A0}" destId="{A9E23A6F-129C-4FA9-AC9B-00BBBD8E57A0}" srcOrd="0" destOrd="0" presId="urn:microsoft.com/office/officeart/2005/8/layout/chevron2"/>
     <dgm:cxn modelId="{D156BE45-995A-4ECC-BE4E-AEF387C5A0CF}" srcId="{2A5BA26C-5161-42DF-B6D3-3D80F7136A94}" destId="{9F4ECCE9-1865-4F74-8801-D7DDBD4B4DCF}" srcOrd="0" destOrd="0" parTransId="{FAADA1A8-5D0C-4E56-8396-1D700C06718A}" sibTransId="{049BA372-F936-4744-9775-A5D81E180520}"/>
     <dgm:cxn modelId="{F38F3F76-7FD4-463B-94BF-D1A75794FDA9}" type="presOf" srcId="{58E8B8AC-40AE-41A5-8F78-BEC32B390F3C}" destId="{D06F5EBF-4FFC-482E-905A-606619BC55C5}" srcOrd="0" destOrd="0" presId="urn:microsoft.com/office/officeart/2005/8/layout/chevron2"/>
     <dgm:cxn modelId="{B65AC8F7-84C3-40FE-B5A1-B82C83875417}" type="presOf" srcId="{99D34705-7D47-4F6C-BD09-97B7205EB2C3}" destId="{D06F5EBF-4FFC-482E-905A-606619BC55C5}" srcOrd="0" destOrd="1" presId="urn:microsoft.com/office/officeart/2005/8/layout/chevron2"/>
@@ -9910,7 +9910,7 @@
           <a:p>
             <a:fld id="{4F9A1CEF-34E0-4A7B-8680-86A294893838}" type="datetimeFigureOut">
               <a:rPr lang="ru-RU" smtClean="0"/>
-              <a:t>17.09.2020</a:t>
+              <a:t>28.09.2020</a:t>
             </a:fld>
             <a:endParaRPr lang="ru-RU"/>
           </a:p>
@@ -10077,7 +10077,7 @@
             <a:fld id="{E3855B89-64B0-47DD-AC6B-D0E9D2BA3796}" type="datetimeFigureOut">
               <a:rPr lang="ru-RU" smtClean="0"/>
               <a:pPr/>
-              <a:t>17.09.2020</a:t>
+              <a:t>28.09.2020</a:t>
             </a:fld>
             <a:endParaRPr lang="ru-RU"/>
           </a:p>
@@ -12086,7 +12086,7 @@
           <a:p>
             <a:fld id="{97233ED7-CC3A-4DC7-BBB8-B1E15885FA80}" type="datetimeFigureOut">
               <a:rPr lang="ru-RU" smtClean="0"/>
-              <a:t>17.09.2020</a:t>
+              <a:t>28.09.2020</a:t>
             </a:fld>
             <a:endParaRPr lang="ru-RU"/>
           </a:p>
@@ -13729,6 +13729,30 @@
           </a:p>
         </p:txBody>
       </p:sp>
+      <p:pic>
+        <p:nvPicPr>
+          <p:cNvPr id="7" name="Рисунок 6"/>
+          <p:cNvPicPr>
+            <a:picLocks noChangeAspect="1"/>
+          </p:cNvPicPr>
+          <p:nvPr/>
+        </p:nvPicPr>
+        <p:blipFill>
+          <a:blip r:embed="rId3"/>
+          <a:stretch>
+            <a:fillRect/>
+          </a:stretch>
+        </p:blipFill>
+        <p:spPr>
+          <a:xfrm>
+            <a:off x="6804248" y="4334602"/>
+            <a:ext cx="1552381" cy="1571429"/>
+          </a:xfrm>
+          <a:prstGeom prst="rect">
+            <a:avLst/>
+          </a:prstGeom>
+        </p:spPr>
+      </p:pic>
     </p:spTree>
     <p:extLst>
       <p:ext uri="{BB962C8B-B14F-4D97-AF65-F5344CB8AC3E}">
